--- a/PPT/Week5.pptx
+++ b/PPT/Week5.pptx
@@ -3839,7 +3839,7 @@
           </a:ln>
           <a:extLst>
             <a:ext uri="{C572A759-6A51-4108-AA02-DFA0A04FC94B}">
-              <ma14:wrappingTextBoxFlag xmlns:ma14="http://schemas.microsoft.com/office/mac/drawingml/2011/main" xmlns="" val="1"/>
+              <ma14:wrappingTextBoxFlag xmlns="" xmlns:ma14="http://schemas.microsoft.com/office/mac/drawingml/2011/main" val="1"/>
             </a:ext>
           </a:extLst>
         </p:spPr>
@@ -3888,7 +3888,7 @@
           </a:ln>
           <a:extLst>
             <a:ext uri="{C572A759-6A51-4108-AA02-DFA0A04FC94B}">
-              <ma14:wrappingTextBoxFlag xmlns:ma14="http://schemas.microsoft.com/office/mac/drawingml/2011/main" xmlns="" val="1"/>
+              <ma14:wrappingTextBoxFlag xmlns="" xmlns:ma14="http://schemas.microsoft.com/office/mac/drawingml/2011/main" val="1"/>
             </a:ext>
           </a:extLst>
         </p:spPr>
@@ -4424,7 +4424,7 @@
           </a:ln>
           <a:extLst>
             <a:ext uri="{C572A759-6A51-4108-AA02-DFA0A04FC94B}">
-              <ma14:wrappingTextBoxFlag xmlns:ma14="http://schemas.microsoft.com/office/mac/drawingml/2011/main" xmlns="" val="1"/>
+              <ma14:wrappingTextBoxFlag xmlns="" xmlns:ma14="http://schemas.microsoft.com/office/mac/drawingml/2011/main" val="1"/>
             </a:ext>
           </a:extLst>
         </p:spPr>
@@ -4491,7 +4491,7 @@
           </a:ln>
           <a:extLst>
             <a:ext uri="{C572A759-6A51-4108-AA02-DFA0A04FC94B}">
-              <ma14:wrappingTextBoxFlag xmlns:ma14="http://schemas.microsoft.com/office/mac/drawingml/2011/main" xmlns="" val="1"/>
+              <ma14:wrappingTextBoxFlag xmlns="" xmlns:ma14="http://schemas.microsoft.com/office/mac/drawingml/2011/main" val="1"/>
             </a:ext>
           </a:extLst>
         </p:spPr>
@@ -4789,7 +4789,7 @@
           </a:ln>
           <a:extLst>
             <a:ext uri="{C572A759-6A51-4108-AA02-DFA0A04FC94B}">
-              <ma14:wrappingTextBoxFlag xmlns:ma14="http://schemas.microsoft.com/office/mac/drawingml/2011/main" xmlns="" val="1"/>
+              <ma14:wrappingTextBoxFlag xmlns="" xmlns:ma14="http://schemas.microsoft.com/office/mac/drawingml/2011/main" val="1"/>
             </a:ext>
           </a:extLst>
         </p:spPr>
@@ -11090,7 +11090,7 @@
           </a:ln>
           <a:extLst>
             <a:ext uri="{C572A759-6A51-4108-AA02-DFA0A04FC94B}">
-              <ma14:wrappingTextBoxFlag xmlns:ma14="http://schemas.microsoft.com/office/mac/drawingml/2011/main" xmlns="" val="1"/>
+              <ma14:wrappingTextBoxFlag xmlns="" xmlns:ma14="http://schemas.microsoft.com/office/mac/drawingml/2011/main" val="1"/>
             </a:ext>
           </a:extLst>
         </p:spPr>
@@ -11191,7 +11191,7 @@
           </a:ln>
           <a:extLst>
             <a:ext uri="{C572A759-6A51-4108-AA02-DFA0A04FC94B}">
-              <ma14:wrappingTextBoxFlag xmlns:ma14="http://schemas.microsoft.com/office/mac/drawingml/2011/main" xmlns="" val="1"/>
+              <ma14:wrappingTextBoxFlag xmlns="" xmlns:ma14="http://schemas.microsoft.com/office/mac/drawingml/2011/main" val="1"/>
             </a:ext>
           </a:extLst>
         </p:spPr>
@@ -11292,7 +11292,7 @@
           </a:ln>
           <a:extLst>
             <a:ext uri="{C572A759-6A51-4108-AA02-DFA0A04FC94B}">
-              <ma14:wrappingTextBoxFlag xmlns:ma14="http://schemas.microsoft.com/office/mac/drawingml/2011/main" xmlns="" val="1"/>
+              <ma14:wrappingTextBoxFlag xmlns="" xmlns:ma14="http://schemas.microsoft.com/office/mac/drawingml/2011/main" val="1"/>
             </a:ext>
           </a:extLst>
         </p:spPr>
@@ -11393,7 +11393,7 @@
           </a:ln>
           <a:extLst>
             <a:ext uri="{C572A759-6A51-4108-AA02-DFA0A04FC94B}">
-              <ma14:wrappingTextBoxFlag xmlns:ma14="http://schemas.microsoft.com/office/mac/drawingml/2011/main" xmlns="" val="1"/>
+              <ma14:wrappingTextBoxFlag xmlns="" xmlns:ma14="http://schemas.microsoft.com/office/mac/drawingml/2011/main" val="1"/>
             </a:ext>
           </a:extLst>
         </p:spPr>
@@ -11450,7 +11450,7 @@
           </a:ln>
           <a:extLst>
             <a:ext uri="{C572A759-6A51-4108-AA02-DFA0A04FC94B}">
-              <ma14:wrappingTextBoxFlag xmlns:ma14="http://schemas.microsoft.com/office/mac/drawingml/2011/main" xmlns="" val="1"/>
+              <ma14:wrappingTextBoxFlag xmlns="" xmlns:ma14="http://schemas.microsoft.com/office/mac/drawingml/2011/main" val="1"/>
             </a:ext>
           </a:extLst>
         </p:spPr>
@@ -11570,7 +11570,7 @@
           </a:ln>
           <a:extLst>
             <a:ext uri="{C572A759-6A51-4108-AA02-DFA0A04FC94B}">
-              <ma14:wrappingTextBoxFlag xmlns:ma14="http://schemas.microsoft.com/office/mac/drawingml/2011/main" xmlns="" val="1"/>
+              <ma14:wrappingTextBoxFlag xmlns="" xmlns:ma14="http://schemas.microsoft.com/office/mac/drawingml/2011/main" val="1"/>
             </a:ext>
           </a:extLst>
         </p:spPr>
@@ -11664,7 +11664,7 @@
           </a:ln>
           <a:extLst>
             <a:ext uri="{C572A759-6A51-4108-AA02-DFA0A04FC94B}">
-              <ma14:wrappingTextBoxFlag xmlns:ma14="http://schemas.microsoft.com/office/mac/drawingml/2011/main" xmlns="" val="1"/>
+              <ma14:wrappingTextBoxFlag xmlns="" xmlns:ma14="http://schemas.microsoft.com/office/mac/drawingml/2011/main" val="1"/>
             </a:ext>
           </a:extLst>
         </p:spPr>
@@ -11771,7 +11771,7 @@
           </a:ln>
           <a:extLst>
             <a:ext uri="{C572A759-6A51-4108-AA02-DFA0A04FC94B}">
-              <ma14:wrappingTextBoxFlag xmlns:ma14="http://schemas.microsoft.com/office/mac/drawingml/2011/main" xmlns="" val="1"/>
+              <ma14:wrappingTextBoxFlag xmlns="" xmlns:ma14="http://schemas.microsoft.com/office/mac/drawingml/2011/main" val="1"/>
             </a:ext>
           </a:extLst>
         </p:spPr>
@@ -12707,7 +12707,7 @@
           </a:ln>
           <a:extLst>
             <a:ext uri="{C572A759-6A51-4108-AA02-DFA0A04FC94B}">
-              <ma14:wrappingTextBoxFlag xmlns:ma14="http://schemas.microsoft.com/office/mac/drawingml/2011/main" xmlns="" val="1"/>
+              <ma14:wrappingTextBoxFlag xmlns="" xmlns:ma14="http://schemas.microsoft.com/office/mac/drawingml/2011/main" val="1"/>
             </a:ext>
           </a:extLst>
         </p:spPr>
@@ -12770,7 +12770,7 @@
           </a:ln>
           <a:extLst>
             <a:ext uri="{C572A759-6A51-4108-AA02-DFA0A04FC94B}">
-              <ma14:wrappingTextBoxFlag xmlns:ma14="http://schemas.microsoft.com/office/mac/drawingml/2011/main" xmlns="" val="1"/>
+              <ma14:wrappingTextBoxFlag xmlns="" xmlns:ma14="http://schemas.microsoft.com/office/mac/drawingml/2011/main" val="1"/>
             </a:ext>
           </a:extLst>
         </p:spPr>
@@ -14630,7 +14630,7 @@
           </a:ln>
           <a:extLst>
             <a:ext uri="{C572A759-6A51-4108-AA02-DFA0A04FC94B}">
-              <ma14:wrappingTextBoxFlag xmlns:ma14="http://schemas.microsoft.com/office/mac/drawingml/2011/main" xmlns="" val="1"/>
+              <ma14:wrappingTextBoxFlag xmlns="" xmlns:ma14="http://schemas.microsoft.com/office/mac/drawingml/2011/main" val="1"/>
             </a:ext>
           </a:extLst>
         </p:spPr>
@@ -17788,7 +17788,7 @@
           </a:ln>
           <a:extLst>
             <a:ext uri="{C572A759-6A51-4108-AA02-DFA0A04FC94B}">
-              <ma14:wrappingTextBoxFlag xmlns:ma14="http://schemas.microsoft.com/office/mac/drawingml/2011/main" xmlns="" val="1"/>
+              <ma14:wrappingTextBoxFlag xmlns="" xmlns:ma14="http://schemas.microsoft.com/office/mac/drawingml/2011/main" val="1"/>
             </a:ext>
           </a:extLst>
         </p:spPr>
@@ -17889,7 +17889,7 @@
           </a:ln>
           <a:extLst>
             <a:ext uri="{C572A759-6A51-4108-AA02-DFA0A04FC94B}">
-              <ma14:wrappingTextBoxFlag xmlns:ma14="http://schemas.microsoft.com/office/mac/drawingml/2011/main" xmlns="" val="1"/>
+              <ma14:wrappingTextBoxFlag xmlns="" xmlns:ma14="http://schemas.microsoft.com/office/mac/drawingml/2011/main" val="1"/>
             </a:ext>
           </a:extLst>
         </p:spPr>
@@ -17990,7 +17990,7 @@
           </a:ln>
           <a:extLst>
             <a:ext uri="{C572A759-6A51-4108-AA02-DFA0A04FC94B}">
-              <ma14:wrappingTextBoxFlag xmlns:ma14="http://schemas.microsoft.com/office/mac/drawingml/2011/main" xmlns="" val="1"/>
+              <ma14:wrappingTextBoxFlag xmlns="" xmlns:ma14="http://schemas.microsoft.com/office/mac/drawingml/2011/main" val="1"/>
             </a:ext>
           </a:extLst>
         </p:spPr>
@@ -18091,7 +18091,7 @@
           </a:ln>
           <a:extLst>
             <a:ext uri="{C572A759-6A51-4108-AA02-DFA0A04FC94B}">
-              <ma14:wrappingTextBoxFlag xmlns:ma14="http://schemas.microsoft.com/office/mac/drawingml/2011/main" xmlns="" val="1"/>
+              <ma14:wrappingTextBoxFlag xmlns="" xmlns:ma14="http://schemas.microsoft.com/office/mac/drawingml/2011/main" val="1"/>
             </a:ext>
           </a:extLst>
         </p:spPr>
@@ -18148,7 +18148,7 @@
           </a:ln>
           <a:extLst>
             <a:ext uri="{C572A759-6A51-4108-AA02-DFA0A04FC94B}">
-              <ma14:wrappingTextBoxFlag xmlns:ma14="http://schemas.microsoft.com/office/mac/drawingml/2011/main" xmlns="" val="1"/>
+              <ma14:wrappingTextBoxFlag xmlns="" xmlns:ma14="http://schemas.microsoft.com/office/mac/drawingml/2011/main" val="1"/>
             </a:ext>
           </a:extLst>
         </p:spPr>
@@ -18255,7 +18255,7 @@
           </a:ln>
           <a:extLst>
             <a:ext uri="{C572A759-6A51-4108-AA02-DFA0A04FC94B}">
-              <ma14:wrappingTextBoxFlag xmlns:ma14="http://schemas.microsoft.com/office/mac/drawingml/2011/main" xmlns="" val="1"/>
+              <ma14:wrappingTextBoxFlag xmlns="" xmlns:ma14="http://schemas.microsoft.com/office/mac/drawingml/2011/main" val="1"/>
             </a:ext>
           </a:extLst>
         </p:spPr>
@@ -18362,7 +18362,7 @@
           </a:ln>
           <a:extLst>
             <a:ext uri="{C572A759-6A51-4108-AA02-DFA0A04FC94B}">
-              <ma14:wrappingTextBoxFlag xmlns:ma14="http://schemas.microsoft.com/office/mac/drawingml/2011/main" xmlns="" val="1"/>
+              <ma14:wrappingTextBoxFlag xmlns="" xmlns:ma14="http://schemas.microsoft.com/office/mac/drawingml/2011/main" val="1"/>
             </a:ext>
           </a:extLst>
         </p:spPr>
@@ -18469,7 +18469,7 @@
           </a:ln>
           <a:extLst>
             <a:ext uri="{C572A759-6A51-4108-AA02-DFA0A04FC94B}">
-              <ma14:wrappingTextBoxFlag xmlns:ma14="http://schemas.microsoft.com/office/mac/drawingml/2011/main" xmlns="" val="1"/>
+              <ma14:wrappingTextBoxFlag xmlns="" xmlns:ma14="http://schemas.microsoft.com/office/mac/drawingml/2011/main" val="1"/>
             </a:ext>
           </a:extLst>
         </p:spPr>
@@ -20178,7 +20178,7 @@
           </a:ln>
           <a:extLst>
             <a:ext uri="{C572A759-6A51-4108-AA02-DFA0A04FC94B}">
-              <ma14:wrappingTextBoxFlag xmlns:ma14="http://schemas.microsoft.com/office/mac/drawingml/2011/main" xmlns="" val="1"/>
+              <ma14:wrappingTextBoxFlag xmlns="" xmlns:ma14="http://schemas.microsoft.com/office/mac/drawingml/2011/main" val="1"/>
             </a:ext>
           </a:extLst>
         </p:spPr>
@@ -20279,7 +20279,7 @@
           </a:ln>
           <a:extLst>
             <a:ext uri="{C572A759-6A51-4108-AA02-DFA0A04FC94B}">
-              <ma14:wrappingTextBoxFlag xmlns:ma14="http://schemas.microsoft.com/office/mac/drawingml/2011/main" xmlns="" val="1"/>
+              <ma14:wrappingTextBoxFlag xmlns="" xmlns:ma14="http://schemas.microsoft.com/office/mac/drawingml/2011/main" val="1"/>
             </a:ext>
           </a:extLst>
         </p:spPr>
@@ -20336,7 +20336,7 @@
           </a:ln>
           <a:extLst>
             <a:ext uri="{C572A759-6A51-4108-AA02-DFA0A04FC94B}">
-              <ma14:wrappingTextBoxFlag xmlns:ma14="http://schemas.microsoft.com/office/mac/drawingml/2011/main" xmlns="" val="1"/>
+              <ma14:wrappingTextBoxFlag xmlns="" xmlns:ma14="http://schemas.microsoft.com/office/mac/drawingml/2011/main" val="1"/>
             </a:ext>
           </a:extLst>
         </p:spPr>
@@ -20398,7 +20398,7 @@
           </a:ln>
           <a:extLst>
             <a:ext uri="{C572A759-6A51-4108-AA02-DFA0A04FC94B}">
-              <ma14:wrappingTextBoxFlag xmlns:ma14="http://schemas.microsoft.com/office/mac/drawingml/2011/main" xmlns="" val="1"/>
+              <ma14:wrappingTextBoxFlag xmlns="" xmlns:ma14="http://schemas.microsoft.com/office/mac/drawingml/2011/main" val="1"/>
             </a:ext>
           </a:extLst>
         </p:spPr>
@@ -20613,14 +20613,14 @@
           </a:p>
           <a:p>
             <a:r>
-              <a:rPr lang="ko-KR" altLang="en-US" sz="2400" dirty="0">
+              <a:rPr lang="ko-KR" altLang="en-US" sz="2400" strike="sngStrike" dirty="0">
                 <a:latin typeface="배달의민족 주아" panose="02020603020101020101" pitchFamily="18" charset="-127"/>
                 <a:ea typeface="배달의민족 주아" panose="02020603020101020101" pitchFamily="18" charset="-127"/>
               </a:rPr>
               <a:t>문제를 나눌 때 </a:t>
             </a:r>
             <a:r>
-              <a:rPr lang="ko-KR" altLang="en-US" sz="2400" dirty="0">
+              <a:rPr lang="ko-KR" altLang="en-US" sz="2400" strike="sngStrike" dirty="0">
                 <a:solidFill>
                   <a:srgbClr val="FF0000"/>
                 </a:solidFill>
@@ -20630,13 +20630,13 @@
               <a:t>중복되는 부분이 생기지 않도록</a:t>
             </a:r>
             <a:r>
-              <a:rPr lang="ko-KR" altLang="en-US" sz="2400" dirty="0">
+              <a:rPr lang="ko-KR" altLang="en-US" sz="2400" strike="sngStrike" dirty="0">
                 <a:latin typeface="배달의민족 주아" panose="02020603020101020101" pitchFamily="18" charset="-127"/>
                 <a:ea typeface="배달의민족 주아" panose="02020603020101020101" pitchFamily="18" charset="-127"/>
               </a:rPr>
               <a:t> 만들어야 함</a:t>
             </a:r>
-            <a:endParaRPr lang="en-US" altLang="ko-KR" sz="2400" dirty="0">
+            <a:endParaRPr lang="en-US" altLang="ko-KR" sz="2400" strike="sngStrike" dirty="0">
               <a:latin typeface="배달의민족 주아" panose="02020603020101020101" pitchFamily="18" charset="-127"/>
               <a:ea typeface="배달의민족 주아" panose="02020603020101020101" pitchFamily="18" charset="-127"/>
             </a:endParaRPr>
